--- a/documentation/Presentation1 Final demo 4.pptx
+++ b/documentation/Presentation1 Final demo 4.pptx
@@ -9472,7 +9472,6 @@
               <a:rPr lang="en-ZA" sz="4000" dirty="0" smtClean="0"/>
               <a:t>Website-app synchronisation</a:t>
             </a:r>
-            <a:endParaRPr lang="en-ZA" sz="4000" dirty="0" smtClean="0"/>
           </a:p>
           <a:p>
             <a:r>
@@ -9483,11 +9482,7 @@
           <a:p>
             <a:r>
               <a:rPr lang="en-ZA" sz="4000" dirty="0" smtClean="0"/>
-              <a:t>The mobile app itself</a:t>
-            </a:r>
-            <a:r>
-              <a:rPr lang="en-ZA" sz="4000" dirty="0" smtClean="0"/>
-              <a:t>.</a:t>
+              <a:t>The mobile app itself.</a:t>
             </a:r>
           </a:p>
           <a:p>
@@ -9826,22 +9821,7 @@
           </a:p>
           <a:p>
             <a:r>
-              <a:rPr lang="en-US" sz="3000" dirty="0" smtClean="0"/>
-              <a:t>Mining user feedbacks</a:t>
-            </a:r>
-            <a:r>
-              <a:rPr lang="en-US" sz="3000" dirty="0" smtClean="0"/>
-              <a:t>.</a:t>
-            </a:r>
-            <a:endParaRPr lang="en-US" sz="3000" dirty="0" smtClean="0"/>
-          </a:p>
-          <a:p>
-            <a:r>
-              <a:rPr lang="en-US" sz="3000" dirty="0" smtClean="0"/>
-              <a:t> </a:t>
-            </a:r>
-            <a:r>
-              <a:rPr lang="en-US" sz="3000" dirty="0"/>
+              <a:rPr lang="en-US" sz="3000" smtClean="0"/>
               <a:t>integrating </a:t>
             </a:r>
             <a:r>
@@ -9860,7 +9840,6 @@
               <a:rPr lang="en-US" sz="3000" dirty="0" smtClean="0"/>
               <a:t>:</a:t>
             </a:r>
-            <a:endParaRPr lang="en-US" sz="3000" dirty="0" smtClean="0"/>
           </a:p>
           <a:p>
             <a:pPr marL="0" indent="0">
@@ -9969,7 +9948,7 @@
           <p:cNvPr id="4" name="Picture 2" descr="Image result for emoji">
             <a:extLst>
               <a:ext uri="{FF2B5EF4-FFF2-40B4-BE49-F238E27FC236}">
-                <a16:creationId xmlns="" xmlns:a16="http://schemas.microsoft.com/office/drawing/2014/main" id="{D3D7BEF2-CCA3-4738-A5B6-6CE71F50CCA4}"/>
+                <a16:creationId xmlns:a16="http://schemas.microsoft.com/office/drawing/2014/main" xmlns="" id="{D3D7BEF2-CCA3-4738-A5B6-6CE71F50CCA4}"/>
               </a:ext>
             </a:extLst>
           </p:cNvPr>
